--- a/report/20220419第二次会议.pptx
+++ b/report/20220419第二次会议.pptx
@@ -8,7 +8,8 @@
     <p:sldId id="258" r:id="rId2"/>
     <p:sldId id="259" r:id="rId3"/>
     <p:sldId id="256" r:id="rId4"/>
-    <p:sldId id="257" r:id="rId5"/>
+    <p:sldId id="260" r:id="rId5"/>
+    <p:sldId id="257" r:id="rId6"/>
   </p:sldIdLst>
   <p:sldSz cx="12192000" cy="6858000"/>
   <p:notesSz cx="6858000" cy="9144000"/>
@@ -262,7 +263,7 @@
           <a:p>
             <a:fld id="{2F8B8B0A-2178-47C4-8D77-64E34A82388E}" type="datetimeFigureOut">
               <a:rPr lang="zh-CN" altLang="en-US" smtClean="0"/>
-              <a:t>2022/4/17</a:t>
+              <a:t>2022/4/22</a:t>
             </a:fld>
             <a:endParaRPr lang="zh-CN" altLang="en-US"/>
           </a:p>
@@ -460,7 +461,7 @@
           <a:p>
             <a:fld id="{2F8B8B0A-2178-47C4-8D77-64E34A82388E}" type="datetimeFigureOut">
               <a:rPr lang="zh-CN" altLang="en-US" smtClean="0"/>
-              <a:t>2022/4/17</a:t>
+              <a:t>2022/4/22</a:t>
             </a:fld>
             <a:endParaRPr lang="zh-CN" altLang="en-US"/>
           </a:p>
@@ -668,7 +669,7 @@
           <a:p>
             <a:fld id="{2F8B8B0A-2178-47C4-8D77-64E34A82388E}" type="datetimeFigureOut">
               <a:rPr lang="zh-CN" altLang="en-US" smtClean="0"/>
-              <a:t>2022/4/17</a:t>
+              <a:t>2022/4/22</a:t>
             </a:fld>
             <a:endParaRPr lang="zh-CN" altLang="en-US"/>
           </a:p>
@@ -866,7 +867,7 @@
           <a:p>
             <a:fld id="{2F8B8B0A-2178-47C4-8D77-64E34A82388E}" type="datetimeFigureOut">
               <a:rPr lang="zh-CN" altLang="en-US" smtClean="0"/>
-              <a:t>2022/4/17</a:t>
+              <a:t>2022/4/22</a:t>
             </a:fld>
             <a:endParaRPr lang="zh-CN" altLang="en-US"/>
           </a:p>
@@ -1141,7 +1142,7 @@
           <a:p>
             <a:fld id="{2F8B8B0A-2178-47C4-8D77-64E34A82388E}" type="datetimeFigureOut">
               <a:rPr lang="zh-CN" altLang="en-US" smtClean="0"/>
-              <a:t>2022/4/17</a:t>
+              <a:t>2022/4/22</a:t>
             </a:fld>
             <a:endParaRPr lang="zh-CN" altLang="en-US"/>
           </a:p>
@@ -1406,7 +1407,7 @@
           <a:p>
             <a:fld id="{2F8B8B0A-2178-47C4-8D77-64E34A82388E}" type="datetimeFigureOut">
               <a:rPr lang="zh-CN" altLang="en-US" smtClean="0"/>
-              <a:t>2022/4/17</a:t>
+              <a:t>2022/4/22</a:t>
             </a:fld>
             <a:endParaRPr lang="zh-CN" altLang="en-US"/>
           </a:p>
@@ -1818,7 +1819,7 @@
           <a:p>
             <a:fld id="{2F8B8B0A-2178-47C4-8D77-64E34A82388E}" type="datetimeFigureOut">
               <a:rPr lang="zh-CN" altLang="en-US" smtClean="0"/>
-              <a:t>2022/4/17</a:t>
+              <a:t>2022/4/22</a:t>
             </a:fld>
             <a:endParaRPr lang="zh-CN" altLang="en-US"/>
           </a:p>
@@ -1959,7 +1960,7 @@
           <a:p>
             <a:fld id="{2F8B8B0A-2178-47C4-8D77-64E34A82388E}" type="datetimeFigureOut">
               <a:rPr lang="zh-CN" altLang="en-US" smtClean="0"/>
-              <a:t>2022/4/17</a:t>
+              <a:t>2022/4/22</a:t>
             </a:fld>
             <a:endParaRPr lang="zh-CN" altLang="en-US"/>
           </a:p>
@@ -2072,7 +2073,7 @@
           <a:p>
             <a:fld id="{2F8B8B0A-2178-47C4-8D77-64E34A82388E}" type="datetimeFigureOut">
               <a:rPr lang="zh-CN" altLang="en-US" smtClean="0"/>
-              <a:t>2022/4/17</a:t>
+              <a:t>2022/4/22</a:t>
             </a:fld>
             <a:endParaRPr lang="zh-CN" altLang="en-US"/>
           </a:p>
@@ -2383,7 +2384,7 @@
           <a:p>
             <a:fld id="{2F8B8B0A-2178-47C4-8D77-64E34A82388E}" type="datetimeFigureOut">
               <a:rPr lang="zh-CN" altLang="en-US" smtClean="0"/>
-              <a:t>2022/4/17</a:t>
+              <a:t>2022/4/22</a:t>
             </a:fld>
             <a:endParaRPr lang="zh-CN" altLang="en-US"/>
           </a:p>
@@ -2671,7 +2672,7 @@
           <a:p>
             <a:fld id="{2F8B8B0A-2178-47C4-8D77-64E34A82388E}" type="datetimeFigureOut">
               <a:rPr lang="zh-CN" altLang="en-US" smtClean="0"/>
-              <a:t>2022/4/17</a:t>
+              <a:t>2022/4/22</a:t>
             </a:fld>
             <a:endParaRPr lang="zh-CN" altLang="en-US"/>
           </a:p>
@@ -2912,7 +2913,7 @@
           <a:p>
             <a:fld id="{2F8B8B0A-2178-47C4-8D77-64E34A82388E}" type="datetimeFigureOut">
               <a:rPr lang="zh-CN" altLang="en-US" smtClean="0"/>
-              <a:t>2022/4/17</a:t>
+              <a:t>2022/4/22</a:t>
             </a:fld>
             <a:endParaRPr lang="zh-CN" altLang="en-US"/>
           </a:p>
@@ -3789,7 +3790,7 @@
         </p:nvSpPr>
         <p:spPr>
           <a:xfrm>
-            <a:off x="882316" y="1387642"/>
+            <a:off x="882316" y="1443630"/>
             <a:ext cx="3529263" cy="369332"/>
           </a:xfrm>
           <a:prstGeom prst="rect">
@@ -3848,7 +3849,7 @@
         </p:nvSpPr>
         <p:spPr>
           <a:xfrm>
-            <a:off x="4636168" y="1387641"/>
+            <a:off x="4636168" y="1443629"/>
             <a:ext cx="6240379" cy="369332"/>
           </a:xfrm>
           <a:prstGeom prst="rect">
@@ -3911,7 +3912,7 @@
         </p:nvCxnSpPr>
         <p:spPr>
           <a:xfrm>
-            <a:off x="3962400" y="1556084"/>
+            <a:off x="3962400" y="1612072"/>
             <a:ext cx="569495" cy="0"/>
           </a:xfrm>
           <a:prstGeom prst="straightConnector1">
@@ -3960,7 +3961,7 @@
         </p:nvSpPr>
         <p:spPr>
           <a:xfrm>
-            <a:off x="882316" y="2029326"/>
+            <a:off x="882316" y="1992004"/>
             <a:ext cx="4804610" cy="369332"/>
           </a:xfrm>
           <a:prstGeom prst="rect">
@@ -4040,7 +4041,7 @@
         </p:nvCxnSpPr>
         <p:spPr>
           <a:xfrm>
-            <a:off x="4948990" y="2213810"/>
+            <a:off x="4948990" y="2176488"/>
             <a:ext cx="569495" cy="0"/>
           </a:xfrm>
           <a:prstGeom prst="straightConnector1">
@@ -4089,7 +4090,7 @@
         </p:nvSpPr>
         <p:spPr>
           <a:xfrm>
-            <a:off x="5526505" y="2005262"/>
+            <a:off x="5526505" y="1967940"/>
             <a:ext cx="6240379" cy="369332"/>
           </a:xfrm>
           <a:prstGeom prst="rect">
@@ -4183,7 +4184,7 @@
                 <a:latin typeface="微软雅黑" panose="020B0503020204020204" pitchFamily="34" charset="-122"/>
                 <a:ea typeface="微软雅黑" panose="020B0503020204020204" pitchFamily="34" charset="-122"/>
               </a:rPr>
-              <a:t>Encoder</a:t>
+              <a:t>Decoder</a:t>
             </a:r>
             <a:endParaRPr lang="zh-CN" altLang="en-US" b="1" dirty="0">
               <a:solidFill>
@@ -4555,68 +4556,6 @@
       </p:sp>
       <p:sp>
         <p:nvSpPr>
-          <p:cNvPr id="24" name="文本框 23">
-            <a:extLst>
-              <a:ext uri="{FF2B5EF4-FFF2-40B4-BE49-F238E27FC236}">
-                <a16:creationId xmlns:a16="http://schemas.microsoft.com/office/drawing/2014/main" id="{70343E1E-BDBF-4B16-BBD3-82764048AA62}"/>
-              </a:ext>
-            </a:extLst>
-          </p:cNvPr>
-          <p:cNvSpPr txBox="1"/>
-          <p:nvPr/>
-        </p:nvSpPr>
-        <p:spPr>
-          <a:xfrm>
-            <a:off x="3048000" y="3244334"/>
-            <a:ext cx="6096000" cy="369332"/>
-          </a:xfrm>
-          <a:prstGeom prst="rect">
-            <a:avLst/>
-          </a:prstGeom>
-          <a:noFill/>
-        </p:spPr>
-        <p:txBody>
-          <a:bodyPr wrap="square">
-            <a:spAutoFit/>
-          </a:bodyPr>
-          <a:lstStyle/>
-          <a:p>
-            <a:r>
-              <a:rPr lang="en-US" altLang="zh-CN" dirty="0">
-                <a:hlinkClick r:id="rId3"/>
-              </a:rPr>
-              <a:t>onnx/Operators.md at main · </a:t>
-            </a:r>
-            <a:r>
-              <a:rPr lang="en-US" altLang="zh-CN" dirty="0" err="1">
-                <a:hlinkClick r:id="rId3"/>
-              </a:rPr>
-              <a:t>onnx</a:t>
-            </a:r>
-            <a:r>
-              <a:rPr lang="en-US" altLang="zh-CN" dirty="0">
-                <a:hlinkClick r:id="rId3"/>
-              </a:rPr>
-              <a:t>/</a:t>
-            </a:r>
-            <a:r>
-              <a:rPr lang="en-US" altLang="zh-CN" dirty="0" err="1">
-                <a:hlinkClick r:id="rId3"/>
-              </a:rPr>
-              <a:t>onnx</a:t>
-            </a:r>
-            <a:r>
-              <a:rPr lang="en-US" altLang="zh-CN" dirty="0">
-                <a:hlinkClick r:id="rId3"/>
-              </a:rPr>
-              <a:t> (github.com)</a:t>
-            </a:r>
-            <a:endParaRPr lang="zh-CN" altLang="en-US" dirty="0"/>
-          </a:p>
-        </p:txBody>
-      </p:sp>
-      <p:sp>
-        <p:nvSpPr>
           <p:cNvPr id="25" name="文本框 24">
             <a:extLst>
               <a:ext uri="{FF2B5EF4-FFF2-40B4-BE49-F238E27FC236}">
@@ -4688,6 +4627,60 @@
               <a:t> (github.com)</a:t>
             </a:r>
             <a:endParaRPr lang="zh-CN" altLang="en-US" dirty="0"/>
+          </a:p>
+        </p:txBody>
+      </p:sp>
+      <p:sp>
+        <p:nvSpPr>
+          <p:cNvPr id="3" name="矩形 2">
+            <a:extLst>
+              <a:ext uri="{FF2B5EF4-FFF2-40B4-BE49-F238E27FC236}">
+                <a16:creationId xmlns:a16="http://schemas.microsoft.com/office/drawing/2014/main" id="{0F8D0872-6134-4AA0-AA0A-DD73E4E977F9}"/>
+              </a:ext>
+            </a:extLst>
+          </p:cNvPr>
+          <p:cNvSpPr/>
+          <p:nvPr/>
+        </p:nvSpPr>
+        <p:spPr>
+          <a:xfrm>
+            <a:off x="541176" y="2416629"/>
+            <a:ext cx="5897331" cy="1324947"/>
+          </a:xfrm>
+          <a:prstGeom prst="rect">
+            <a:avLst/>
+          </a:prstGeom>
+          <a:solidFill>
+            <a:schemeClr val="bg1">
+              <a:alpha val="90000"/>
+            </a:schemeClr>
+          </a:solidFill>
+          <a:ln>
+            <a:noFill/>
+          </a:ln>
+        </p:spPr>
+        <p:style>
+          <a:lnRef idx="2">
+            <a:schemeClr val="accent1">
+              <a:shade val="50000"/>
+            </a:schemeClr>
+          </a:lnRef>
+          <a:fillRef idx="1">
+            <a:schemeClr val="accent1"/>
+          </a:fillRef>
+          <a:effectRef idx="0">
+            <a:schemeClr val="accent1"/>
+          </a:effectRef>
+          <a:fontRef idx="minor">
+            <a:schemeClr val="lt1"/>
+          </a:fontRef>
+        </p:style>
+        <p:txBody>
+          <a:bodyPr rtlCol="0" anchor="ctr"/>
+          <a:lstStyle/>
+          <a:p>
+            <a:pPr algn="ctr"/>
+            <a:endParaRPr lang="zh-CN" altLang="en-US"/>
           </a:p>
         </p:txBody>
       </p:sp>
@@ -4705,6 +4698,245 @@
 </file>
 
 <file path=ppt/slides/slide4.xml><?xml version="1.0" encoding="utf-8"?>
+<p:sld xmlns:a="http://schemas.openxmlformats.org/drawingml/2006/main" xmlns:r="http://schemas.openxmlformats.org/officeDocument/2006/relationships" xmlns:p="http://schemas.openxmlformats.org/presentationml/2006/main">
+  <p:cSld>
+    <p:spTree>
+      <p:nvGrpSpPr>
+        <p:cNvPr id="1" name=""/>
+        <p:cNvGrpSpPr/>
+        <p:nvPr/>
+      </p:nvGrpSpPr>
+      <p:grpSpPr>
+        <a:xfrm>
+          <a:off x="0" y="0"/>
+          <a:ext cx="0" cy="0"/>
+          <a:chOff x="0" y="0"/>
+          <a:chExt cx="0" cy="0"/>
+        </a:xfrm>
+      </p:grpSpPr>
+      <p:sp>
+        <p:nvSpPr>
+          <p:cNvPr id="4" name="文本框 3">
+            <a:extLst>
+              <a:ext uri="{FF2B5EF4-FFF2-40B4-BE49-F238E27FC236}">
+                <a16:creationId xmlns:a16="http://schemas.microsoft.com/office/drawing/2014/main" id="{5F822671-E7B8-4D62-9453-10536D78D3D5}"/>
+              </a:ext>
+            </a:extLst>
+          </p:cNvPr>
+          <p:cNvSpPr txBox="1"/>
+          <p:nvPr/>
+        </p:nvSpPr>
+        <p:spPr>
+          <a:xfrm>
+            <a:off x="317242" y="326571"/>
+            <a:ext cx="1415772" cy="461665"/>
+          </a:xfrm>
+          <a:prstGeom prst="rect">
+            <a:avLst/>
+          </a:prstGeom>
+          <a:noFill/>
+        </p:spPr>
+        <p:txBody>
+          <a:bodyPr wrap="none" rtlCol="0">
+            <a:spAutoFit/>
+          </a:bodyPr>
+          <a:lstStyle/>
+          <a:p>
+            <a:r>
+              <a:rPr lang="zh-CN" altLang="en-US" sz="2400" b="1" dirty="0">
+                <a:latin typeface="微软雅黑" panose="020B0503020204020204" pitchFamily="34" charset="-122"/>
+                <a:ea typeface="微软雅黑" panose="020B0503020204020204" pitchFamily="34" charset="-122"/>
+              </a:rPr>
+              <a:t>继续修剪</a:t>
+            </a:r>
+          </a:p>
+        </p:txBody>
+      </p:sp>
+      <p:sp>
+        <p:nvSpPr>
+          <p:cNvPr id="2" name="文本框 1">
+            <a:extLst>
+              <a:ext uri="{FF2B5EF4-FFF2-40B4-BE49-F238E27FC236}">
+                <a16:creationId xmlns:a16="http://schemas.microsoft.com/office/drawing/2014/main" id="{C81A8D9F-01B1-4DB3-8974-407DFCE35AEF}"/>
+              </a:ext>
+            </a:extLst>
+          </p:cNvPr>
+          <p:cNvSpPr txBox="1"/>
+          <p:nvPr/>
+        </p:nvSpPr>
+        <p:spPr>
+          <a:xfrm>
+            <a:off x="585537" y="882316"/>
+            <a:ext cx="1652337" cy="369332"/>
+          </a:xfrm>
+          <a:prstGeom prst="rect">
+            <a:avLst/>
+          </a:prstGeom>
+          <a:noFill/>
+          <a:effectLst>
+            <a:outerShdw blurRad="63500" sx="102000" sy="102000" algn="ctr" rotWithShape="0">
+              <a:prstClr val="black">
+                <a:alpha val="40000"/>
+              </a:prstClr>
+            </a:outerShdw>
+          </a:effectLst>
+        </p:spPr>
+        <p:txBody>
+          <a:bodyPr wrap="square" rtlCol="0">
+            <a:spAutoFit/>
+          </a:bodyPr>
+          <a:lstStyle/>
+          <a:p>
+            <a:r>
+              <a:rPr lang="en-US" altLang="zh-CN" b="1" dirty="0">
+                <a:solidFill>
+                  <a:schemeClr val="accent1">
+                    <a:lumMod val="50000"/>
+                  </a:schemeClr>
+                </a:solidFill>
+                <a:latin typeface="微软雅黑" panose="020B0503020204020204" pitchFamily="34" charset="-122"/>
+                <a:ea typeface="微软雅黑" panose="020B0503020204020204" pitchFamily="34" charset="-122"/>
+              </a:rPr>
+              <a:t>Encoder</a:t>
+            </a:r>
+            <a:endParaRPr lang="zh-CN" altLang="en-US" b="1" dirty="0">
+              <a:solidFill>
+                <a:schemeClr val="accent1">
+                  <a:lumMod val="50000"/>
+                </a:schemeClr>
+              </a:solidFill>
+              <a:latin typeface="微软雅黑" panose="020B0503020204020204" pitchFamily="34" charset="-122"/>
+              <a:ea typeface="微软雅黑" panose="020B0503020204020204" pitchFamily="34" charset="-122"/>
+            </a:endParaRPr>
+          </a:p>
+        </p:txBody>
+      </p:sp>
+      <p:pic>
+        <p:nvPicPr>
+          <p:cNvPr id="5" name="图片 4">
+            <a:extLst>
+              <a:ext uri="{FF2B5EF4-FFF2-40B4-BE49-F238E27FC236}">
+                <a16:creationId xmlns:a16="http://schemas.microsoft.com/office/drawing/2014/main" id="{A26458E7-ED45-4FB9-8968-06877D92B8A4}"/>
+              </a:ext>
+            </a:extLst>
+          </p:cNvPr>
+          <p:cNvPicPr>
+            <a:picLocks noChangeAspect="1"/>
+          </p:cNvPicPr>
+          <p:nvPr/>
+        </p:nvPicPr>
+        <p:blipFill>
+          <a:blip r:embed="rId2"/>
+          <a:stretch>
+            <a:fillRect/>
+          </a:stretch>
+        </p:blipFill>
+        <p:spPr>
+          <a:xfrm>
+            <a:off x="1222887" y="1524942"/>
+            <a:ext cx="3009524" cy="4200000"/>
+          </a:xfrm>
+          <a:prstGeom prst="rect">
+            <a:avLst/>
+          </a:prstGeom>
+        </p:spPr>
+      </p:pic>
+      <p:cxnSp>
+        <p:nvCxnSpPr>
+          <p:cNvPr id="8" name="直接连接符 7">
+            <a:extLst>
+              <a:ext uri="{FF2B5EF4-FFF2-40B4-BE49-F238E27FC236}">
+                <a16:creationId xmlns:a16="http://schemas.microsoft.com/office/drawing/2014/main" id="{C21817B7-BD77-4F50-9690-FFACA9BAFF2E}"/>
+              </a:ext>
+            </a:extLst>
+          </p:cNvPr>
+          <p:cNvCxnSpPr/>
+          <p:nvPr/>
+        </p:nvCxnSpPr>
+        <p:spPr>
+          <a:xfrm>
+            <a:off x="3163077" y="2379306"/>
+            <a:ext cx="475861" cy="167951"/>
+          </a:xfrm>
+          <a:prstGeom prst="line">
+            <a:avLst/>
+          </a:prstGeom>
+          <a:ln w="28575">
+            <a:solidFill>
+              <a:srgbClr val="C00000"/>
+            </a:solidFill>
+          </a:ln>
+        </p:spPr>
+        <p:style>
+          <a:lnRef idx="1">
+            <a:schemeClr val="accent1"/>
+          </a:lnRef>
+          <a:fillRef idx="0">
+            <a:schemeClr val="accent1"/>
+          </a:fillRef>
+          <a:effectRef idx="0">
+            <a:schemeClr val="accent1"/>
+          </a:effectRef>
+          <a:fontRef idx="minor">
+            <a:schemeClr val="tx1"/>
+          </a:fontRef>
+        </p:style>
+      </p:cxnSp>
+      <p:cxnSp>
+        <p:nvCxnSpPr>
+          <p:cNvPr id="23" name="直接连接符 22">
+            <a:extLst>
+              <a:ext uri="{FF2B5EF4-FFF2-40B4-BE49-F238E27FC236}">
+                <a16:creationId xmlns:a16="http://schemas.microsoft.com/office/drawing/2014/main" id="{CE2A5120-C20A-457E-8D70-3D3AAB7E4C11}"/>
+              </a:ext>
+            </a:extLst>
+          </p:cNvPr>
+          <p:cNvCxnSpPr/>
+          <p:nvPr/>
+        </p:nvCxnSpPr>
+        <p:spPr>
+          <a:xfrm>
+            <a:off x="2830285" y="5200262"/>
+            <a:ext cx="475861" cy="167951"/>
+          </a:xfrm>
+          <a:prstGeom prst="line">
+            <a:avLst/>
+          </a:prstGeom>
+          <a:ln w="28575">
+            <a:solidFill>
+              <a:srgbClr val="C00000"/>
+            </a:solidFill>
+          </a:ln>
+        </p:spPr>
+        <p:style>
+          <a:lnRef idx="1">
+            <a:schemeClr val="accent1"/>
+          </a:lnRef>
+          <a:fillRef idx="0">
+            <a:schemeClr val="accent1"/>
+          </a:fillRef>
+          <a:effectRef idx="0">
+            <a:schemeClr val="accent1"/>
+          </a:effectRef>
+          <a:fontRef idx="minor">
+            <a:schemeClr val="tx1"/>
+          </a:fontRef>
+        </p:style>
+      </p:cxnSp>
+    </p:spTree>
+    <p:extLst>
+      <p:ext uri="{BB962C8B-B14F-4D97-AF65-F5344CB8AC3E}">
+        <p14:creationId xmlns:p14="http://schemas.microsoft.com/office/powerpoint/2010/main" val="4148490822"/>
+      </p:ext>
+    </p:extLst>
+  </p:cSld>
+  <p:clrMapOvr>
+    <a:masterClrMapping/>
+  </p:clrMapOvr>
+</p:sld>
+</file>
+
+<file path=ppt/slides/slide5.xml><?xml version="1.0" encoding="utf-8"?>
 <p:sld xmlns:a="http://schemas.openxmlformats.org/drawingml/2006/main" xmlns:r="http://schemas.openxmlformats.org/officeDocument/2006/relationships" xmlns:p="http://schemas.openxmlformats.org/presentationml/2006/main">
   <p:cSld>
     <p:spTree>
